--- a/docs/presentation/gentoo_installer_presentation.pptx
+++ b/docs/presentation/gentoo_installer_presentation.pptx
@@ -12,6 +12,7 @@
     <p:sldId id="260" r:id="rId6"/>
     <p:sldId id="261" r:id="rId7"/>
     <p:sldId id="262" r:id="rId8"/>
+    <p:sldId id="263" r:id="rId9"/>
   </p:sldIdLst>
   <p:sldSz cx="12192000" cy="6858000"/>
   <p:notesSz cx="6858000" cy="9144000"/>
@@ -20468,6 +20469,234 @@
 </p:sld>
 </file>
 
+<file path=ppt/slides/slide8.xml><?xml version="1.0" encoding="utf-8"?>
+<p:sld xmlns:a="http://schemas.openxmlformats.org/drawingml/2006/main" xmlns:r="http://schemas.openxmlformats.org/officeDocument/2006/relationships" xmlns:p="http://schemas.openxmlformats.org/presentationml/2006/main">
+  <p:cSld>
+    <p:bg>
+      <p:bgPr>
+        <a:blipFill>
+          <a:blip r:embed="rId2"/>
+          <a:stretch/>
+        </a:blipFill>
+        <a:effectLst/>
+      </p:bgPr>
+    </p:bg>
+    <p:spTree>
+      <p:nvGrpSpPr>
+        <p:cNvPr id="1" name=""/>
+        <p:cNvGrpSpPr/>
+        <p:nvPr/>
+      </p:nvGrpSpPr>
+      <p:grpSpPr>
+        <a:xfrm>
+          <a:off x="0" y="0"/>
+          <a:ext cx="0" cy="0"/>
+          <a:chOff x="0" y="0"/>
+          <a:chExt cx="0" cy="0"/>
+        </a:xfrm>
+      </p:grpSpPr>
+      <p:sp>
+        <p:nvSpPr>
+          <p:cNvPr id="2" name="Titre 1">
+            <a:extLst>
+              <a:ext uri="{FF2B5EF4-FFF2-40B4-BE49-F238E27FC236}">
+                <a16:creationId xmlns:a16="http://schemas.microsoft.com/office/drawing/2014/main" id="{414CAE19-8B76-46D3-A6C8-CB5A06A948B8}"/>
+              </a:ext>
+            </a:extLst>
+          </p:cNvPr>
+          <p:cNvSpPr>
+            <a:spLocks noGrp="1"/>
+          </p:cNvSpPr>
+          <p:nvPr>
+            <p:ph type="title"/>
+          </p:nvPr>
+        </p:nvSpPr>
+        <p:spPr>
+          <a:xfrm>
+            <a:off x="825909" y="808055"/>
+            <a:ext cx="3979205" cy="1453363"/>
+          </a:xfrm>
+        </p:spPr>
+        <p:txBody>
+          <a:bodyPr>
+            <a:normAutofit/>
+          </a:bodyPr>
+          <a:lstStyle/>
+          <a:p>
+            <a:r>
+              <a:rPr lang="fr-CH" dirty="0"/>
+              <a:t>Et voilà !</a:t>
+            </a:r>
+          </a:p>
+        </p:txBody>
+      </p:sp>
+      <p:sp>
+        <p:nvSpPr>
+          <p:cNvPr id="9" name="Content Placeholder 8">
+            <a:extLst>
+              <a:ext uri="{FF2B5EF4-FFF2-40B4-BE49-F238E27FC236}">
+                <a16:creationId xmlns:a16="http://schemas.microsoft.com/office/drawing/2014/main" id="{98B2A1C7-1688-08C2-0B66-5310E6BAF8A5}"/>
+              </a:ext>
+            </a:extLst>
+          </p:cNvPr>
+          <p:cNvSpPr>
+            <a:spLocks noGrp="1"/>
+          </p:cNvSpPr>
+          <p:nvPr>
+            <p:ph idx="1"/>
+          </p:nvPr>
+        </p:nvSpPr>
+        <p:spPr>
+          <a:xfrm>
+            <a:off x="802178" y="2261420"/>
+            <a:ext cx="4002936" cy="3637935"/>
+          </a:xfrm>
+        </p:spPr>
+        <p:txBody>
+          <a:bodyPr>
+            <a:normAutofit/>
+          </a:bodyPr>
+          <a:lstStyle/>
+          <a:p>
+            <a:pPr marL="0" indent="0">
+              <a:buNone/>
+            </a:pPr>
+            <a:r>
+              <a:rPr lang="en-US" dirty="0"/>
+              <a:t>Gentoo </a:t>
+            </a:r>
+            <a:r>
+              <a:rPr lang="en-US" dirty="0" err="1"/>
+              <a:t>est</a:t>
+            </a:r>
+            <a:r>
+              <a:rPr lang="en-US" dirty="0"/>
+              <a:t> </a:t>
+            </a:r>
+            <a:r>
+              <a:rPr lang="en-US" dirty="0" err="1"/>
+              <a:t>installé</a:t>
+            </a:r>
+            <a:r>
+              <a:rPr lang="en-US" dirty="0"/>
+              <a:t> sans que </a:t>
+            </a:r>
+            <a:r>
+              <a:rPr lang="en-US" dirty="0" err="1"/>
+              <a:t>l’utilisateur</a:t>
+            </a:r>
+            <a:r>
+              <a:rPr lang="en-US" dirty="0"/>
+              <a:t> </a:t>
+            </a:r>
+            <a:r>
+              <a:rPr lang="en-US" dirty="0" err="1"/>
+              <a:t>n’ait</a:t>
+            </a:r>
+            <a:r>
+              <a:rPr lang="en-US" dirty="0"/>
+              <a:t> à </a:t>
+            </a:r>
+            <a:r>
+              <a:rPr lang="en-US" dirty="0" err="1"/>
+              <a:t>intervenir</a:t>
+            </a:r>
+            <a:r>
+              <a:rPr lang="en-US" dirty="0"/>
+              <a:t> dans la phase </a:t>
+            </a:r>
+            <a:r>
+              <a:rPr lang="en-US" dirty="0" err="1"/>
+              <a:t>d’installation</a:t>
+            </a:r>
+            <a:r>
+              <a:rPr lang="en-US" dirty="0"/>
+              <a:t> </a:t>
+            </a:r>
+            <a:r>
+              <a:rPr lang="en-US"/>
+              <a:t>! </a:t>
+            </a:r>
+          </a:p>
+          <a:p>
+            <a:pPr marL="0" indent="0">
+              <a:buNone/>
+            </a:pPr>
+            <a:endParaRPr lang="en-US" dirty="0"/>
+          </a:p>
+        </p:txBody>
+      </p:sp>
+      <p:pic>
+        <p:nvPicPr>
+          <p:cNvPr id="5" name="Espace réservé du contenu 4">
+            <a:extLst>
+              <a:ext uri="{FF2B5EF4-FFF2-40B4-BE49-F238E27FC236}">
+                <a16:creationId xmlns:a16="http://schemas.microsoft.com/office/drawing/2014/main" id="{DDA0F8F0-9CEF-4CE7-B59A-5247C371EF9B}"/>
+              </a:ext>
+            </a:extLst>
+          </p:cNvPr>
+          <p:cNvPicPr>
+            <a:picLocks noChangeAspect="1"/>
+          </p:cNvPicPr>
+          <p:nvPr/>
+        </p:nvPicPr>
+        <p:blipFill>
+          <a:blip r:embed="rId3"/>
+          <a:stretch>
+            <a:fillRect/>
+          </a:stretch>
+        </p:blipFill>
+        <p:spPr>
+          <a:xfrm>
+            <a:off x="5289752" y="841072"/>
+            <a:ext cx="6095593" cy="5013624"/>
+          </a:xfrm>
+          <a:prstGeom prst="roundRect">
+            <a:avLst>
+              <a:gd name="adj" fmla="val 4380"/>
+            </a:avLst>
+          </a:prstGeom>
+          <a:ln w="50800" cap="sq" cmpd="dbl">
+            <a:gradFill flip="none" rotWithShape="1">
+              <a:gsLst>
+                <a:gs pos="0">
+                  <a:srgbClr val="FFFFFF"/>
+                </a:gs>
+                <a:gs pos="100000">
+                  <a:schemeClr val="tx1">
+                    <a:alpha val="0"/>
+                  </a:schemeClr>
+                </a:gs>
+              </a:gsLst>
+              <a:path path="circle">
+                <a:fillToRect l="50000" t="50000" r="50000" b="50000"/>
+              </a:path>
+              <a:tileRect/>
+            </a:gradFill>
+            <a:miter lim="800000"/>
+          </a:ln>
+          <a:effectLst>
+            <a:outerShdw blurRad="254000" algn="tl" rotWithShape="0">
+              <a:srgbClr val="000000">
+                <a:alpha val="43000"/>
+              </a:srgbClr>
+            </a:outerShdw>
+          </a:effectLst>
+        </p:spPr>
+      </p:pic>
+    </p:spTree>
+    <p:extLst>
+      <p:ext uri="{BB962C8B-B14F-4D97-AF65-F5344CB8AC3E}">
+        <p14:creationId xmlns:p14="http://schemas.microsoft.com/office/powerpoint/2010/main" val="2148057420"/>
+      </p:ext>
+    </p:extLst>
+  </p:cSld>
+  <p:clrMapOvr>
+    <a:masterClrMapping/>
+  </p:clrMapOvr>
+</p:sld>
+</file>
+
 <file path=ppt/theme/theme1.xml><?xml version="1.0" encoding="utf-8"?>
 <a:theme xmlns:a="http://schemas.openxmlformats.org/drawingml/2006/main" name="Céleste">
   <a:themeElements>

--- a/docs/presentation/gentoo_installer_presentation.pptx
+++ b/docs/presentation/gentoo_installer_presentation.pptx
@@ -15927,7 +15927,7 @@
                   <a:srgbClr val="FFFFFF"/>
                 </a:solidFill>
               </a:rPr>
-              <a:t>Installation le temps d’un (grand) café</a:t>
+              <a:t>Installation le temps d’un (Long) café</a:t>
             </a:r>
           </a:p>
         </p:txBody>
@@ -20611,12 +20611,100 @@
             </a:r>
             <a:r>
               <a:rPr lang="en-US" dirty="0"/>
+              <a:t> ! </a:t>
+            </a:r>
+          </a:p>
+          <a:p>
+            <a:pPr marL="0" indent="0">
+              <a:buNone/>
+            </a:pPr>
+            <a:endParaRPr lang="en-US" dirty="0"/>
+          </a:p>
+          <a:p>
+            <a:pPr marL="0" indent="0">
+              <a:buNone/>
+            </a:pPr>
+            <a:r>
+              <a:rPr lang="en-US" dirty="0"/>
+              <a:t>Nous </a:t>
+            </a:r>
+            <a:r>
+              <a:rPr lang="en-US" dirty="0" err="1"/>
+              <a:t>avons</a:t>
+            </a:r>
+            <a:r>
+              <a:rPr lang="en-US" dirty="0"/>
               <a:t> </a:t>
             </a:r>
             <a:r>
-              <a:rPr lang="en-US"/>
-              <a:t>! </a:t>
+              <a:rPr lang="en-US" dirty="0" err="1"/>
+              <a:t>aussi</a:t>
             </a:r>
+            <a:r>
+              <a:rPr lang="en-US" dirty="0"/>
+              <a:t> </a:t>
+            </a:r>
+            <a:r>
+              <a:rPr lang="en-US" dirty="0" err="1"/>
+              <a:t>pu</a:t>
+            </a:r>
+            <a:r>
+              <a:rPr lang="en-US" dirty="0"/>
+              <a:t> </a:t>
+            </a:r>
+            <a:r>
+              <a:rPr lang="en-US" dirty="0" err="1"/>
+              <a:t>réaliser</a:t>
+            </a:r>
+            <a:r>
+              <a:rPr lang="en-US" dirty="0"/>
+              <a:t> 5 installations </a:t>
+            </a:r>
+            <a:r>
+              <a:rPr lang="en-US" dirty="0" err="1"/>
+              <a:t>en</a:t>
+            </a:r>
+            <a:r>
+              <a:rPr lang="en-US" dirty="0"/>
+              <a:t> </a:t>
+            </a:r>
+            <a:r>
+              <a:rPr lang="en-US" dirty="0" err="1"/>
+              <a:t>une</a:t>
+            </a:r>
+            <a:r>
+              <a:rPr lang="en-US" dirty="0"/>
+              <a:t> après-midi, </a:t>
+            </a:r>
+            <a:r>
+              <a:rPr lang="en-US" dirty="0" err="1"/>
+              <a:t>ce</a:t>
+            </a:r>
+            <a:r>
+              <a:rPr lang="en-US" dirty="0"/>
+              <a:t> qui </a:t>
+            </a:r>
+            <a:r>
+              <a:rPr lang="en-US" dirty="0" err="1"/>
+              <a:t>serait</a:t>
+            </a:r>
+            <a:r>
+              <a:rPr lang="en-US" dirty="0"/>
+              <a:t> impossible avec </a:t>
+            </a:r>
+            <a:r>
+              <a:rPr lang="en-US" dirty="0" err="1"/>
+              <a:t>une</a:t>
+            </a:r>
+            <a:r>
+              <a:rPr lang="en-US" dirty="0"/>
+              <a:t> configuration/installation </a:t>
+            </a:r>
+            <a:r>
+              <a:rPr lang="en-US" dirty="0" err="1"/>
+              <a:t>manuelle</a:t>
+            </a:r>
+            <a:endParaRPr lang="en-US" dirty="0"/>
           </a:p>
           <a:p>
             <a:pPr marL="0" indent="0">
